--- a/Presentation-WPS Office.pptx
+++ b/Presentation-WPS Office.pptx
@@ -20,6 +20,7 @@
     <p:sldId id="266" r:id="rId12"/>
     <p:sldId id="267" r:id="rId13"/>
     <p:sldId id="268" r:id="rId14"/>
+    <p:sldId id="269" r:id="rId15"/>
   </p:sldIdLst>
   <p:sldSz type="screen16x9" cy="6858000" cx="12192000"/>
   <p:notesSz cx="6858000" cy="9144000"/>
@@ -3364,7 +3365,7 @@
     </p:bg>
     <p:spTree>
       <p:nvGrpSpPr>
-        <p:cNvPr id="25" name=""/>
+        <p:cNvPr id="34" name=""/>
         <p:cNvGrpSpPr/>
         <p:nvPr/>
       </p:nvGrpSpPr>
@@ -3378,7 +3379,7 @@
       </p:grpSpPr>
       <p:sp>
         <p:nvSpPr>
-          <p:cNvPr id="1048584" name="Text Box 6"/>
+          <p:cNvPr id="1048590" name="Text Box 6"/>
           <p:cNvSpPr txBox="1"/>
           <p:nvPr/>
         </p:nvSpPr>
@@ -4142,7 +4143,7 @@
   <p:cSld>
     <p:spTree>
       <p:nvGrpSpPr>
-        <p:cNvPr id="36" name=""/>
+        <p:cNvPr id="28" name=""/>
         <p:cNvGrpSpPr/>
         <p:nvPr/>
       </p:nvGrpSpPr>
@@ -4151,7 +4152,7 @@
       </p:grpSpPr>
       <p:sp>
         <p:nvSpPr>
-          <p:cNvPr id="1048593" name="Text Box 1"/>
+          <p:cNvPr id="1048585" name="Text Box 1"/>
           <p:cNvSpPr txBox="1"/>
           <p:nvPr/>
         </p:nvSpPr>
@@ -4364,7 +4365,7 @@
     </p:bg>
     <p:spTree>
       <p:nvGrpSpPr>
-        <p:cNvPr id="37" name=""/>
+        <p:cNvPr id="30" name=""/>
         <p:cNvGrpSpPr/>
         <p:nvPr/>
       </p:nvGrpSpPr>
@@ -4406,6 +4407,1299 @@
   <p:cSld>
     <p:spTree>
       <p:nvGrpSpPr>
+        <p:cNvPr id="32" name=""/>
+        <p:cNvGrpSpPr/>
+        <p:nvPr/>
+      </p:nvGrpSpPr>
+      <p:grpSpPr>
+        <a:xfrm/>
+      </p:grpSpPr>
+      <p:sp>
+        <p:nvSpPr>
+          <p:cNvPr id="1048656" name=""/>
+          <p:cNvSpPr txBox="1"/>
+          <p:nvPr/>
+        </p:nvSpPr>
+        <p:spPr>
+          <a:xfrm>
+            <a:off x="2463006" y="2754629"/>
+            <a:ext cx="6609757" cy="929640"/>
+          </a:xfrm>
+          <a:prstGeom prst="rect"/>
+        </p:spPr>
+        <p:txBody>
+          <a:bodyPr rtlCol="0" wrap="square">
+            <a:spAutoFit/>
+          </a:bodyPr>
+          <a:p>
+            <a:r>
+              <a:rPr sz="2800" lang="en-IN">
+                <a:solidFill>
+                  <a:srgbClr val="000000"/>
+                </a:solidFill>
+              </a:rPr>
+              <a:t>https://github.com/nanthini30102006-lang/Nandhini_TNSDC_FWD_DP.git</a:t>
+            </a:r>
+            <a:endParaRPr sz="2800" lang="en-IN">
+              <a:solidFill>
+                <a:srgbClr val="000000"/>
+              </a:solidFill>
+            </a:endParaRPr>
+          </a:p>
+        </p:txBody>
+      </p:sp>
+    </p:spTree>
+  </p:cSld>
+  <p:clrMapOvr>
+    <a:masterClrMapping/>
+  </p:clrMapOvr>
+</p:sld>
+</file>
+
+<file path=ppt/slides/slide13.xml><?xml version="1.0" encoding="utf-8"?>
+<p:sld xmlns:a="http://schemas.openxmlformats.org/drawingml/2006/main" xmlns:r="http://schemas.openxmlformats.org/officeDocument/2006/relationships" xmlns:p="http://schemas.openxmlformats.org/presentationml/2006/main">
+  <p:cSld>
+    <p:spTree>
+      <p:nvGrpSpPr>
+        <p:cNvPr id="50" name=""/>
+        <p:cNvGrpSpPr/>
+        <p:nvPr/>
+      </p:nvGrpSpPr>
+      <p:grpSpPr>
+        <a:xfrm>
+          <a:off x="0" y="0"/>
+          <a:ext cx="0" cy="0"/>
+          <a:chOff x="0" y="0"/>
+          <a:chExt cx="0" cy="0"/>
+        </a:xfrm>
+      </p:grpSpPr>
+      <p:pic>
+        <p:nvPicPr>
+          <p:cNvPr id="2097155" name=""/>
+          <p:cNvPicPr>
+            <a:picLocks/>
+          </p:cNvPicPr>
+          <p:nvPr/>
+        </p:nvPicPr>
+        <p:blipFill>
+          <a:blip xmlns:r="http://schemas.openxmlformats.org/officeDocument/2006/relationships" r:embed="rId1"/>
+          <a:stretch>
+            <a:fillRect/>
+          </a:stretch>
+        </p:blipFill>
+        <p:spPr>
+          <a:xfrm rot="0">
+            <a:off x="0" y="186352"/>
+            <a:ext cx="12192000" cy="6485296"/>
+          </a:xfrm>
+          <a:prstGeom prst="rect"/>
+        </p:spPr>
+      </p:pic>
+    </p:spTree>
+  </p:cSld>
+  <p:clrMapOvr>
+    <a:masterClrMapping/>
+  </p:clrMapOvr>
+</p:sld>
+</file>
+
+<file path=ppt/slides/slide2.xml><?xml version="1.0" encoding="utf-8"?>
+<p:sld xmlns:a="http://schemas.openxmlformats.org/drawingml/2006/main" xmlns:r="http://schemas.openxmlformats.org/officeDocument/2006/relationships" xmlns:p="http://schemas.openxmlformats.org/presentationml/2006/main">
+  <p:cSld>
+    <p:spTree>
+      <p:nvGrpSpPr>
+        <p:cNvPr id="35" name=""/>
+        <p:cNvGrpSpPr/>
+        <p:nvPr/>
+      </p:nvGrpSpPr>
+      <p:grpSpPr>
+        <a:xfrm/>
+      </p:grpSpPr>
+      <p:sp>
+        <p:nvSpPr>
+          <p:cNvPr id="1048591" name="Text Box 1"/>
+          <p:cNvSpPr txBox="1"/>
+          <p:nvPr/>
+        </p:nvSpPr>
+        <p:spPr>
+          <a:xfrm>
+            <a:off x="337820" y="234950"/>
+            <a:ext cx="10503535" cy="5248275"/>
+          </a:xfrm>
+          <a:prstGeom prst="rect"/>
+        </p:spPr>
+        <p:txBody>
+          <a:bodyPr>
+            <a:noAutofit/>
+          </a:bodyPr>
+          <a:p>
+            <a:pPr algn="ctr" indent="0" marL="0">
+              <a:spcBef>
+                <a:spcPts val="900"/>
+              </a:spcBef>
+              <a:spcAft>
+                <a:spcPts val="600"/>
+              </a:spcAft>
+            </a:pPr>
+            <a:r>
+              <a:rPr b="1" sz="4000">
+                <a:solidFill>
+                  <a:srgbClr val="404040"/>
+                </a:solidFill>
+                <a:latin typeface="quote-cjk-patch"/>
+                <a:ea typeface="quote-cjk-patch"/>
+              </a:rPr>
+              <a:t>Project Title</a:t>
+            </a:r>
+            <a:endParaRPr b="1" sz="4000">
+              <a:solidFill>
+                <a:srgbClr val="404040"/>
+              </a:solidFill>
+              <a:latin typeface="quote-cjk-patch"/>
+              <a:ea typeface="quote-cjk-patch"/>
+            </a:endParaRPr>
+          </a:p>
+          <a:p>
+            <a:pPr indent="0" marL="0">
+              <a:spcBef>
+                <a:spcPts val="900"/>
+              </a:spcBef>
+              <a:spcAft>
+                <a:spcPts val="600"/>
+              </a:spcAft>
+            </a:pPr>
+            <a:endParaRPr b="1" sz="4000">
+              <a:solidFill>
+                <a:srgbClr val="404040"/>
+              </a:solidFill>
+              <a:latin typeface="quote-cjk-patch"/>
+              <a:ea typeface="quote-cjk-patch"/>
+            </a:endParaRPr>
+          </a:p>
+          <a:p>
+            <a:pPr indent="0" marL="0">
+              <a:spcBef>
+                <a:spcPts val="900"/>
+              </a:spcBef>
+              <a:spcAft>
+                <a:spcPts val="600"/>
+              </a:spcAft>
+            </a:pPr>
+            <a:r>
+              <a:rPr b="0" sz="2500" i="0">
+                <a:solidFill>
+                  <a:srgbClr val="404040"/>
+                </a:solidFill>
+                <a:latin typeface="quote-cjk-patch"/>
+                <a:ea typeface="quote-cjk-patch"/>
+              </a:rPr>
+              <a:t>Smart Digital Portfolio with Skill Analytics &amp; Recommendation</a:t>
+            </a:r>
+            <a:endParaRPr b="0" sz="2500" i="0">
+              <a:solidFill>
+                <a:srgbClr val="404040"/>
+              </a:solidFill>
+              <a:latin typeface="quote-cjk-patch"/>
+              <a:ea typeface="quote-cjk-patch"/>
+            </a:endParaRPr>
+          </a:p>
+        </p:txBody>
+      </p:sp>
+    </p:spTree>
+  </p:cSld>
+  <p:clrMapOvr>
+    <a:masterClrMapping/>
+  </p:clrMapOvr>
+</p:sld>
+</file>
+
+<file path=ppt/slides/slide3.xml><?xml version="1.0" encoding="utf-8"?>
+<p:sld xmlns:a="http://schemas.openxmlformats.org/drawingml/2006/main" xmlns:r="http://schemas.openxmlformats.org/officeDocument/2006/relationships" xmlns:p="http://schemas.openxmlformats.org/presentationml/2006/main">
+  <p:cSld>
+    <p:spTree>
+      <p:nvGrpSpPr>
+        <p:cNvPr id="36" name=""/>
+        <p:cNvGrpSpPr/>
+        <p:nvPr/>
+      </p:nvGrpSpPr>
+      <p:grpSpPr>
+        <a:xfrm/>
+      </p:grpSpPr>
+      <p:sp>
+        <p:nvSpPr>
+          <p:cNvPr id="1048592" name="Text Box 1"/>
+          <p:cNvSpPr txBox="1"/>
+          <p:nvPr/>
+        </p:nvSpPr>
+        <p:spPr>
+          <a:xfrm>
+            <a:off x="179705" y="188595"/>
+            <a:ext cx="11666220" cy="6564630"/>
+          </a:xfrm>
+          <a:prstGeom prst="rect"/>
+        </p:spPr>
+        <p:txBody>
+          <a:bodyPr>
+            <a:noAutofit/>
+          </a:bodyPr>
+          <a:p>
+            <a:pPr algn="ctr" indent="0" marL="0">
+              <a:spcBef>
+                <a:spcPts val="900"/>
+              </a:spcBef>
+              <a:spcAft>
+                <a:spcPts val="600"/>
+              </a:spcAft>
+            </a:pPr>
+            <a:r>
+              <a:rPr b="0" i="0" lang="en-US">
+                <a:solidFill>
+                  <a:srgbClr val="404040"/>
+                </a:solidFill>
+                <a:latin typeface="quote-cjk-patch"/>
+                <a:ea typeface="quote-cjk-patch"/>
+              </a:rPr>
+              <a:t>  </a:t>
+            </a:r>
+            <a:r>
+              <a:rPr b="1" sz="4400" i="0">
+                <a:solidFill>
+                  <a:srgbClr val="404040"/>
+                </a:solidFill>
+                <a:latin typeface="quote-cjk-patch"/>
+                <a:ea typeface="quote-cjk-patch"/>
+              </a:rPr>
+              <a:t>Agenda</a:t>
+            </a:r>
+            <a:endParaRPr b="1" sz="4400" i="0">
+              <a:solidFill>
+                <a:srgbClr val="404040"/>
+              </a:solidFill>
+              <a:latin typeface="quote-cjk-patch"/>
+              <a:ea typeface="quote-cjk-patch"/>
+            </a:endParaRPr>
+          </a:p>
+          <a:p>
+            <a:pPr algn="ctr" indent="0" marL="0">
+              <a:spcBef>
+                <a:spcPts val="900"/>
+              </a:spcBef>
+              <a:spcAft>
+                <a:spcPts val="600"/>
+              </a:spcAft>
+            </a:pPr>
+            <a:endParaRPr b="0" i="0">
+              <a:solidFill>
+                <a:srgbClr val="404040"/>
+              </a:solidFill>
+              <a:latin typeface="quote-cjk-patch"/>
+              <a:ea typeface="quote-cjk-patch"/>
+            </a:endParaRPr>
+          </a:p>
+          <a:p>
+            <a:pPr indent="0" marL="0">
+              <a:lnSpc>
+                <a:spcPts val="1430"/>
+              </a:lnSpc>
+              <a:spcBef>
+                <a:spcPct val="0"/>
+              </a:spcBef>
+              <a:spcAft>
+                <a:spcPct val="0"/>
+              </a:spcAft>
+              <a:buAutoNum type="arabicPeriod"/>
+            </a:pPr>
+            <a:r>
+              <a:rPr b="0" sz="2800" i="0">
+                <a:solidFill>
+                  <a:srgbClr val="404040"/>
+                </a:solidFill>
+                <a:latin typeface="quote-cjk-patch"/>
+                <a:ea typeface="quote-cjk-patch"/>
+              </a:rPr>
+              <a:t>Problem Statement</a:t>
+            </a:r>
+            <a:endParaRPr b="0" sz="2800" i="0">
+              <a:solidFill>
+                <a:srgbClr val="404040"/>
+              </a:solidFill>
+              <a:latin typeface="quote-cjk-patch"/>
+              <a:ea typeface="quote-cjk-patch"/>
+            </a:endParaRPr>
+          </a:p>
+          <a:p>
+            <a:pPr indent="0" marL="0">
+              <a:lnSpc>
+                <a:spcPts val="1430"/>
+              </a:lnSpc>
+              <a:spcBef>
+                <a:spcPct val="0"/>
+              </a:spcBef>
+              <a:spcAft>
+                <a:spcPct val="0"/>
+              </a:spcAft>
+              <a:buAutoNum type="arabicPeriod"/>
+            </a:pPr>
+            <a:endParaRPr b="0" sz="2800" i="0">
+              <a:solidFill>
+                <a:srgbClr val="404040"/>
+              </a:solidFill>
+              <a:latin typeface="quote-cjk-patch"/>
+              <a:ea typeface="quote-cjk-patch"/>
+            </a:endParaRPr>
+          </a:p>
+          <a:p>
+            <a:pPr indent="0" marL="0">
+              <a:lnSpc>
+                <a:spcPts val="1430"/>
+              </a:lnSpc>
+              <a:spcBef>
+                <a:spcPct val="0"/>
+              </a:spcBef>
+              <a:spcAft>
+                <a:spcPct val="0"/>
+              </a:spcAft>
+              <a:buAutoNum type="arabicPeriod"/>
+            </a:pPr>
+            <a:endParaRPr b="0" sz="2800" i="0">
+              <a:solidFill>
+                <a:srgbClr val="404040"/>
+              </a:solidFill>
+              <a:latin typeface="quote-cjk-patch"/>
+              <a:ea typeface="quote-cjk-patch"/>
+            </a:endParaRPr>
+          </a:p>
+          <a:p>
+            <a:pPr indent="0" marL="0">
+              <a:lnSpc>
+                <a:spcPts val="1430"/>
+              </a:lnSpc>
+              <a:spcBef>
+                <a:spcPct val="0"/>
+              </a:spcBef>
+              <a:spcAft>
+                <a:spcPct val="0"/>
+              </a:spcAft>
+              <a:buAutoNum type="arabicPeriod"/>
+            </a:pPr>
+            <a:r>
+              <a:rPr b="0" sz="2800" i="0">
+                <a:solidFill>
+                  <a:srgbClr val="404040"/>
+                </a:solidFill>
+                <a:latin typeface="quote-cjk-patch"/>
+                <a:ea typeface="quote-cjk-patch"/>
+              </a:rPr>
+              <a:t>Project Overview</a:t>
+            </a:r>
+            <a:endParaRPr b="0" sz="2800" i="0">
+              <a:solidFill>
+                <a:srgbClr val="404040"/>
+              </a:solidFill>
+              <a:latin typeface="quote-cjk-patch"/>
+              <a:ea typeface="quote-cjk-patch"/>
+            </a:endParaRPr>
+          </a:p>
+          <a:p>
+            <a:pPr indent="0" marL="0">
+              <a:lnSpc>
+                <a:spcPts val="1430"/>
+              </a:lnSpc>
+              <a:spcBef>
+                <a:spcPct val="0"/>
+              </a:spcBef>
+              <a:spcAft>
+                <a:spcPct val="0"/>
+              </a:spcAft>
+              <a:buAutoNum type="arabicPeriod"/>
+            </a:pPr>
+            <a:endParaRPr b="0" sz="2800" i="0">
+              <a:solidFill>
+                <a:srgbClr val="404040"/>
+              </a:solidFill>
+              <a:latin typeface="quote-cjk-patch"/>
+              <a:ea typeface="quote-cjk-patch"/>
+            </a:endParaRPr>
+          </a:p>
+          <a:p>
+            <a:pPr indent="0" marL="0">
+              <a:lnSpc>
+                <a:spcPts val="1430"/>
+              </a:lnSpc>
+              <a:spcBef>
+                <a:spcPct val="0"/>
+              </a:spcBef>
+              <a:spcAft>
+                <a:spcPct val="0"/>
+              </a:spcAft>
+              <a:buAutoNum type="arabicPeriod"/>
+            </a:pPr>
+            <a:endParaRPr b="0" sz="2800" i="0">
+              <a:solidFill>
+                <a:srgbClr val="404040"/>
+              </a:solidFill>
+              <a:latin typeface="quote-cjk-patch"/>
+              <a:ea typeface="quote-cjk-patch"/>
+            </a:endParaRPr>
+          </a:p>
+          <a:p>
+            <a:pPr indent="0" marL="0">
+              <a:lnSpc>
+                <a:spcPts val="1430"/>
+              </a:lnSpc>
+              <a:spcBef>
+                <a:spcPct val="0"/>
+              </a:spcBef>
+              <a:spcAft>
+                <a:spcPct val="0"/>
+              </a:spcAft>
+              <a:buAutoNum type="arabicPeriod"/>
+            </a:pPr>
+            <a:r>
+              <a:rPr b="0" sz="2800" i="0">
+                <a:solidFill>
+                  <a:srgbClr val="404040"/>
+                </a:solidFill>
+                <a:latin typeface="quote-cjk-patch"/>
+                <a:ea typeface="quote-cjk-patch"/>
+              </a:rPr>
+              <a:t>End Users</a:t>
+            </a:r>
+            <a:endParaRPr b="0" sz="2800" i="0">
+              <a:solidFill>
+                <a:srgbClr val="404040"/>
+              </a:solidFill>
+              <a:latin typeface="quote-cjk-patch"/>
+              <a:ea typeface="quote-cjk-patch"/>
+            </a:endParaRPr>
+          </a:p>
+          <a:p>
+            <a:pPr indent="0" marL="0">
+              <a:lnSpc>
+                <a:spcPts val="1430"/>
+              </a:lnSpc>
+              <a:spcBef>
+                <a:spcPct val="0"/>
+              </a:spcBef>
+              <a:spcAft>
+                <a:spcPct val="0"/>
+              </a:spcAft>
+              <a:buAutoNum type="arabicPeriod"/>
+            </a:pPr>
+            <a:endParaRPr b="0" sz="2800" i="0">
+              <a:solidFill>
+                <a:srgbClr val="404040"/>
+              </a:solidFill>
+              <a:latin typeface="quote-cjk-patch"/>
+              <a:ea typeface="quote-cjk-patch"/>
+            </a:endParaRPr>
+          </a:p>
+          <a:p>
+            <a:pPr indent="0" marL="0">
+              <a:lnSpc>
+                <a:spcPts val="1430"/>
+              </a:lnSpc>
+              <a:spcBef>
+                <a:spcPct val="0"/>
+              </a:spcBef>
+              <a:spcAft>
+                <a:spcPct val="0"/>
+              </a:spcAft>
+              <a:buAutoNum type="arabicPeriod"/>
+            </a:pPr>
+            <a:endParaRPr b="0" sz="2800" i="0">
+              <a:solidFill>
+                <a:srgbClr val="404040"/>
+              </a:solidFill>
+              <a:latin typeface="quote-cjk-patch"/>
+              <a:ea typeface="quote-cjk-patch"/>
+            </a:endParaRPr>
+          </a:p>
+          <a:p>
+            <a:pPr indent="0" marL="0">
+              <a:lnSpc>
+                <a:spcPts val="1430"/>
+              </a:lnSpc>
+              <a:spcBef>
+                <a:spcPct val="0"/>
+              </a:spcBef>
+              <a:spcAft>
+                <a:spcPct val="0"/>
+              </a:spcAft>
+              <a:buAutoNum type="arabicPeriod"/>
+            </a:pPr>
+            <a:r>
+              <a:rPr b="0" sz="2800" i="0">
+                <a:solidFill>
+                  <a:srgbClr val="404040"/>
+                </a:solidFill>
+                <a:latin typeface="quote-cjk-patch"/>
+                <a:ea typeface="quote-cjk-patch"/>
+              </a:rPr>
+              <a:t>Tools &amp; Technologie</a:t>
+            </a:r>
+            <a:endParaRPr b="0" sz="2800" i="0">
+              <a:solidFill>
+                <a:srgbClr val="404040"/>
+              </a:solidFill>
+              <a:latin typeface="quote-cjk-patch"/>
+              <a:ea typeface="quote-cjk-patch"/>
+            </a:endParaRPr>
+          </a:p>
+          <a:p>
+            <a:pPr indent="0" marL="0">
+              <a:lnSpc>
+                <a:spcPts val="1430"/>
+              </a:lnSpc>
+              <a:spcBef>
+                <a:spcPct val="0"/>
+              </a:spcBef>
+              <a:spcAft>
+                <a:spcPct val="0"/>
+              </a:spcAft>
+              <a:buAutoNum type="arabicPeriod"/>
+            </a:pPr>
+            <a:endParaRPr b="0" sz="2800" i="0">
+              <a:solidFill>
+                <a:srgbClr val="404040"/>
+              </a:solidFill>
+              <a:latin typeface="quote-cjk-patch"/>
+              <a:ea typeface="quote-cjk-patch"/>
+            </a:endParaRPr>
+          </a:p>
+          <a:p>
+            <a:pPr indent="0" marL="0">
+              <a:lnSpc>
+                <a:spcPts val="1430"/>
+              </a:lnSpc>
+              <a:spcBef>
+                <a:spcPct val="0"/>
+              </a:spcBef>
+              <a:spcAft>
+                <a:spcPct val="0"/>
+              </a:spcAft>
+              <a:buAutoNum type="arabicPeriod"/>
+            </a:pPr>
+            <a:endParaRPr b="0" sz="2800" i="0">
+              <a:solidFill>
+                <a:srgbClr val="404040"/>
+              </a:solidFill>
+              <a:latin typeface="quote-cjk-patch"/>
+              <a:ea typeface="quote-cjk-patch"/>
+            </a:endParaRPr>
+          </a:p>
+          <a:p>
+            <a:pPr indent="0" marL="0">
+              <a:lnSpc>
+                <a:spcPts val="1430"/>
+              </a:lnSpc>
+              <a:spcBef>
+                <a:spcPct val="0"/>
+              </a:spcBef>
+              <a:spcAft>
+                <a:spcPct val="0"/>
+              </a:spcAft>
+              <a:buAutoNum type="arabicPeriod"/>
+            </a:pPr>
+            <a:r>
+              <a:rPr b="0" sz="2800" i="0">
+                <a:solidFill>
+                  <a:srgbClr val="404040"/>
+                </a:solidFill>
+                <a:latin typeface="quote-cjk-patch"/>
+                <a:ea typeface="quote-cjk-patch"/>
+              </a:rPr>
+              <a:t>Design &amp; Layout</a:t>
+            </a:r>
+            <a:endParaRPr b="0" sz="2800" i="0">
+              <a:solidFill>
+                <a:srgbClr val="404040"/>
+              </a:solidFill>
+              <a:latin typeface="quote-cjk-patch"/>
+              <a:ea typeface="quote-cjk-patch"/>
+            </a:endParaRPr>
+          </a:p>
+          <a:p>
+            <a:pPr indent="0" marL="0">
+              <a:lnSpc>
+                <a:spcPts val="1430"/>
+              </a:lnSpc>
+              <a:spcBef>
+                <a:spcPct val="0"/>
+              </a:spcBef>
+              <a:spcAft>
+                <a:spcPct val="0"/>
+              </a:spcAft>
+              <a:buAutoNum type="arabicPeriod"/>
+            </a:pPr>
+            <a:endParaRPr b="0" sz="2800" i="0">
+              <a:solidFill>
+                <a:srgbClr val="404040"/>
+              </a:solidFill>
+              <a:latin typeface="quote-cjk-patch"/>
+              <a:ea typeface="quote-cjk-patch"/>
+            </a:endParaRPr>
+          </a:p>
+          <a:p>
+            <a:pPr indent="0" marL="0">
+              <a:lnSpc>
+                <a:spcPts val="1430"/>
+              </a:lnSpc>
+              <a:spcBef>
+                <a:spcPct val="0"/>
+              </a:spcBef>
+              <a:spcAft>
+                <a:spcPct val="0"/>
+              </a:spcAft>
+              <a:buAutoNum type="arabicPeriod"/>
+            </a:pPr>
+            <a:endParaRPr b="0" sz="2800" i="0">
+              <a:solidFill>
+                <a:srgbClr val="404040"/>
+              </a:solidFill>
+              <a:latin typeface="quote-cjk-patch"/>
+              <a:ea typeface="quote-cjk-patch"/>
+            </a:endParaRPr>
+          </a:p>
+          <a:p>
+            <a:pPr indent="0" marL="0">
+              <a:lnSpc>
+                <a:spcPts val="1430"/>
+              </a:lnSpc>
+              <a:spcBef>
+                <a:spcPct val="0"/>
+              </a:spcBef>
+              <a:spcAft>
+                <a:spcPct val="0"/>
+              </a:spcAft>
+              <a:buAutoNum type="arabicPeriod"/>
+            </a:pPr>
+            <a:r>
+              <a:rPr b="0" sz="2800" i="0">
+                <a:solidFill>
+                  <a:srgbClr val="404040"/>
+                </a:solidFill>
+                <a:latin typeface="quote-cjk-patch"/>
+                <a:ea typeface="quote-cjk-patch"/>
+              </a:rPr>
+              <a:t>Features &amp; Functionality</a:t>
+            </a:r>
+            <a:endParaRPr b="0" sz="2800" i="0">
+              <a:solidFill>
+                <a:srgbClr val="404040"/>
+              </a:solidFill>
+              <a:latin typeface="quote-cjk-patch"/>
+              <a:ea typeface="quote-cjk-patch"/>
+            </a:endParaRPr>
+          </a:p>
+          <a:p>
+            <a:pPr indent="0" marL="0">
+              <a:lnSpc>
+                <a:spcPts val="1430"/>
+              </a:lnSpc>
+              <a:spcBef>
+                <a:spcPct val="0"/>
+              </a:spcBef>
+              <a:spcAft>
+                <a:spcPct val="0"/>
+              </a:spcAft>
+              <a:buAutoNum type="arabicPeriod"/>
+            </a:pPr>
+            <a:endParaRPr b="0" sz="2800" i="0">
+              <a:solidFill>
+                <a:srgbClr val="404040"/>
+              </a:solidFill>
+              <a:latin typeface="quote-cjk-patch"/>
+              <a:ea typeface="quote-cjk-patch"/>
+            </a:endParaRPr>
+          </a:p>
+          <a:p>
+            <a:pPr indent="0" marL="0">
+              <a:lnSpc>
+                <a:spcPts val="1430"/>
+              </a:lnSpc>
+              <a:spcBef>
+                <a:spcPct val="0"/>
+              </a:spcBef>
+              <a:spcAft>
+                <a:spcPct val="0"/>
+              </a:spcAft>
+              <a:buAutoNum type="arabicPeriod"/>
+            </a:pPr>
+            <a:endParaRPr b="0" sz="2800" i="0">
+              <a:solidFill>
+                <a:srgbClr val="404040"/>
+              </a:solidFill>
+              <a:latin typeface="quote-cjk-patch"/>
+              <a:ea typeface="quote-cjk-patch"/>
+            </a:endParaRPr>
+          </a:p>
+          <a:p>
+            <a:pPr indent="0" marL="0">
+              <a:lnSpc>
+                <a:spcPts val="1430"/>
+              </a:lnSpc>
+              <a:spcBef>
+                <a:spcPct val="0"/>
+              </a:spcBef>
+              <a:spcAft>
+                <a:spcPct val="0"/>
+              </a:spcAft>
+              <a:buAutoNum type="arabicPeriod"/>
+            </a:pPr>
+            <a:r>
+              <a:rPr b="0" sz="2800" i="0">
+                <a:solidFill>
+                  <a:srgbClr val="404040"/>
+                </a:solidFill>
+                <a:latin typeface="quote-cjk-patch"/>
+                <a:ea typeface="quote-cjk-patch"/>
+              </a:rPr>
+              <a:t>Results</a:t>
+            </a:r>
+            <a:endParaRPr b="0" sz="2800" i="0">
+              <a:solidFill>
+                <a:srgbClr val="404040"/>
+              </a:solidFill>
+              <a:latin typeface="quote-cjk-patch"/>
+              <a:ea typeface="quote-cjk-patch"/>
+            </a:endParaRPr>
+          </a:p>
+          <a:p>
+            <a:pPr indent="0" marL="0">
+              <a:lnSpc>
+                <a:spcPts val="1430"/>
+              </a:lnSpc>
+              <a:spcBef>
+                <a:spcPct val="0"/>
+              </a:spcBef>
+              <a:spcAft>
+                <a:spcPct val="0"/>
+              </a:spcAft>
+              <a:buAutoNum type="arabicPeriod"/>
+            </a:pPr>
+            <a:endParaRPr b="0" sz="2800" i="0">
+              <a:solidFill>
+                <a:srgbClr val="404040"/>
+              </a:solidFill>
+              <a:latin typeface="quote-cjk-patch"/>
+              <a:ea typeface="quote-cjk-patch"/>
+            </a:endParaRPr>
+          </a:p>
+          <a:p>
+            <a:pPr indent="0" marL="0">
+              <a:lnSpc>
+                <a:spcPts val="1430"/>
+              </a:lnSpc>
+              <a:spcBef>
+                <a:spcPct val="0"/>
+              </a:spcBef>
+              <a:spcAft>
+                <a:spcPct val="0"/>
+              </a:spcAft>
+              <a:buAutoNum type="arabicPeriod"/>
+            </a:pPr>
+            <a:endParaRPr b="0" sz="2800" i="0">
+              <a:solidFill>
+                <a:srgbClr val="404040"/>
+              </a:solidFill>
+              <a:latin typeface="quote-cjk-patch"/>
+              <a:ea typeface="quote-cjk-patch"/>
+            </a:endParaRPr>
+          </a:p>
+          <a:p>
+            <a:pPr indent="0" marL="0">
+              <a:lnSpc>
+                <a:spcPts val="1430"/>
+              </a:lnSpc>
+              <a:spcBef>
+                <a:spcPct val="0"/>
+              </a:spcBef>
+              <a:spcAft>
+                <a:spcPct val="0"/>
+              </a:spcAft>
+              <a:buAutoNum type="arabicPeriod"/>
+            </a:pPr>
+            <a:r>
+              <a:rPr b="0" sz="2800" i="0">
+                <a:solidFill>
+                  <a:srgbClr val="404040"/>
+                </a:solidFill>
+                <a:latin typeface="quote-cjk-patch"/>
+                <a:ea typeface="quote-cjk-patch"/>
+              </a:rPr>
+              <a:t>Sample Output Images</a:t>
+            </a:r>
+            <a:endParaRPr b="0" sz="2800" i="0">
+              <a:solidFill>
+                <a:srgbClr val="404040"/>
+              </a:solidFill>
+              <a:latin typeface="quote-cjk-patch"/>
+              <a:ea typeface="quote-cjk-patch"/>
+            </a:endParaRPr>
+          </a:p>
+          <a:p>
+            <a:pPr indent="0" marL="0">
+              <a:lnSpc>
+                <a:spcPts val="1430"/>
+              </a:lnSpc>
+              <a:spcBef>
+                <a:spcPct val="0"/>
+              </a:spcBef>
+              <a:spcAft>
+                <a:spcPct val="0"/>
+              </a:spcAft>
+              <a:buAutoNum type="arabicPeriod"/>
+            </a:pPr>
+            <a:endParaRPr b="0" sz="2800" i="0">
+              <a:solidFill>
+                <a:srgbClr val="404040"/>
+              </a:solidFill>
+              <a:latin typeface="quote-cjk-patch"/>
+              <a:ea typeface="quote-cjk-patch"/>
+            </a:endParaRPr>
+          </a:p>
+          <a:p>
+            <a:pPr indent="0" marL="0">
+              <a:lnSpc>
+                <a:spcPts val="1430"/>
+              </a:lnSpc>
+              <a:spcBef>
+                <a:spcPct val="0"/>
+              </a:spcBef>
+              <a:spcAft>
+                <a:spcPct val="0"/>
+              </a:spcAft>
+              <a:buAutoNum type="arabicPeriod"/>
+            </a:pPr>
+            <a:endParaRPr b="0" sz="2800" i="0">
+              <a:solidFill>
+                <a:srgbClr val="404040"/>
+              </a:solidFill>
+              <a:latin typeface="quote-cjk-patch"/>
+              <a:ea typeface="quote-cjk-patch"/>
+            </a:endParaRPr>
+          </a:p>
+          <a:p>
+            <a:pPr indent="0" marL="0">
+              <a:lnSpc>
+                <a:spcPts val="1430"/>
+              </a:lnSpc>
+              <a:spcBef>
+                <a:spcPct val="0"/>
+              </a:spcBef>
+              <a:spcAft>
+                <a:spcPct val="0"/>
+              </a:spcAft>
+              <a:buAutoNum type="arabicPeriod"/>
+            </a:pPr>
+            <a:r>
+              <a:rPr b="0" sz="2800" i="0">
+                <a:solidFill>
+                  <a:srgbClr val="404040"/>
+                </a:solidFill>
+                <a:latin typeface="quote-cjk-patch"/>
+                <a:ea typeface="quote-cjk-patch"/>
+              </a:rPr>
+              <a:t>Conclusion</a:t>
+            </a:r>
+            <a:endParaRPr b="0" sz="2800" i="0">
+              <a:solidFill>
+                <a:srgbClr val="404040"/>
+              </a:solidFill>
+              <a:latin typeface="quote-cjk-patch"/>
+              <a:ea typeface="quote-cjk-patch"/>
+            </a:endParaRPr>
+          </a:p>
+          <a:p>
+            <a:pPr indent="0" marL="0">
+              <a:lnSpc>
+                <a:spcPts val="1430"/>
+              </a:lnSpc>
+              <a:spcBef>
+                <a:spcPct val="0"/>
+              </a:spcBef>
+              <a:spcAft>
+                <a:spcPct val="0"/>
+              </a:spcAft>
+              <a:buAutoNum type="arabicPeriod"/>
+            </a:pPr>
+            <a:endParaRPr b="0" sz="2800" i="0">
+              <a:solidFill>
+                <a:srgbClr val="404040"/>
+              </a:solidFill>
+              <a:latin typeface="quote-cjk-patch"/>
+              <a:ea typeface="quote-cjk-patch"/>
+            </a:endParaRPr>
+          </a:p>
+          <a:p>
+            <a:pPr indent="0" marL="0">
+              <a:lnSpc>
+                <a:spcPts val="1430"/>
+              </a:lnSpc>
+              <a:spcBef>
+                <a:spcPct val="0"/>
+              </a:spcBef>
+              <a:spcAft>
+                <a:spcPct val="0"/>
+              </a:spcAft>
+              <a:buAutoNum type="arabicPeriod"/>
+            </a:pPr>
+            <a:endParaRPr b="0" sz="2800" i="0">
+              <a:solidFill>
+                <a:srgbClr val="404040"/>
+              </a:solidFill>
+              <a:latin typeface="quote-cjk-patch"/>
+              <a:ea typeface="quote-cjk-patch"/>
+            </a:endParaRPr>
+          </a:p>
+          <a:p>
+            <a:pPr indent="0" marL="0">
+              <a:lnSpc>
+                <a:spcPts val="1430"/>
+              </a:lnSpc>
+              <a:spcBef>
+                <a:spcPct val="0"/>
+              </a:spcBef>
+              <a:spcAft>
+                <a:spcPct val="0"/>
+              </a:spcAft>
+              <a:buAutoNum type="arabicPeriod"/>
+            </a:pPr>
+            <a:r>
+              <a:rPr b="0" sz="2800" i="0">
+                <a:solidFill>
+                  <a:srgbClr val="404040"/>
+                </a:solidFill>
+                <a:latin typeface="quote-cjk-patch"/>
+                <a:ea typeface="quote-cjk-patch"/>
+              </a:rPr>
+              <a:t>GitHub Link</a:t>
+            </a:r>
+            <a:endParaRPr b="0" sz="2800" i="0">
+              <a:solidFill>
+                <a:srgbClr val="404040"/>
+              </a:solidFill>
+              <a:latin typeface="quote-cjk-patch"/>
+              <a:ea typeface="quote-cjk-patch"/>
+            </a:endParaRPr>
+          </a:p>
+          <a:p>
+            <a:pPr indent="0" marL="0">
+              <a:lnSpc>
+                <a:spcPts val="1430"/>
+              </a:lnSpc>
+              <a:spcBef>
+                <a:spcPct val="0"/>
+              </a:spcBef>
+              <a:spcAft>
+                <a:spcPct val="0"/>
+              </a:spcAft>
+              <a:buNone/>
+            </a:pPr>
+            <a:endParaRPr b="0" sz="2800" i="0">
+              <a:solidFill>
+                <a:srgbClr val="404040"/>
+              </a:solidFill>
+              <a:latin typeface="quote-cjk-patch"/>
+              <a:ea typeface="quote-cjk-patch"/>
+            </a:endParaRPr>
+          </a:p>
+        </p:txBody>
+      </p:sp>
+    </p:spTree>
+  </p:cSld>
+  <p:clrMapOvr>
+    <a:masterClrMapping/>
+  </p:clrMapOvr>
+</p:sld>
+</file>
+
+<file path=ppt/slides/slide4.xml><?xml version="1.0" encoding="utf-8"?>
+<p:sld xmlns:a="http://schemas.openxmlformats.org/drawingml/2006/main" xmlns:r="http://schemas.openxmlformats.org/officeDocument/2006/relationships" xmlns:p="http://schemas.openxmlformats.org/presentationml/2006/main">
+  <p:cSld>
+    <p:spTree>
+      <p:nvGrpSpPr>
+        <p:cNvPr id="37" name=""/>
+        <p:cNvGrpSpPr/>
+        <p:nvPr/>
+      </p:nvGrpSpPr>
+      <p:grpSpPr>
+        <a:xfrm/>
+      </p:grpSpPr>
+      <p:sp>
+        <p:nvSpPr>
+          <p:cNvPr id="1048593" name="Text Box 2"/>
+          <p:cNvSpPr txBox="1"/>
+          <p:nvPr/>
+        </p:nvSpPr>
+        <p:spPr>
+          <a:xfrm>
+            <a:off x="0" y="62865"/>
+            <a:ext cx="12095480" cy="6659245"/>
+          </a:xfrm>
+          <a:prstGeom prst="rect"/>
+        </p:spPr>
+        <p:txBody>
+          <a:bodyPr>
+            <a:noAutofit/>
+          </a:bodyPr>
+          <a:p>
+            <a:pPr indent="0" marL="0">
+              <a:spcBef>
+                <a:spcPts val="900"/>
+              </a:spcBef>
+              <a:spcAft>
+                <a:spcPts val="600"/>
+              </a:spcAft>
+            </a:pPr>
+            <a:r>
+              <a:rPr b="0" sz="4400" i="0">
+                <a:solidFill>
+                  <a:srgbClr val="404040"/>
+                </a:solidFill>
+                <a:latin typeface="quote-cjk-patch"/>
+                <a:ea typeface="quote-cjk-patch"/>
+              </a:rPr>
+              <a:t>Problem Statement</a:t>
+            </a:r>
+            <a:endParaRPr b="0" sz="4400" i="0">
+              <a:solidFill>
+                <a:srgbClr val="404040"/>
+              </a:solidFill>
+              <a:latin typeface="quote-cjk-patch"/>
+              <a:ea typeface="quote-cjk-patch"/>
+            </a:endParaRPr>
+          </a:p>
+          <a:p>
+            <a:pPr indent="0" marL="0">
+              <a:lnSpc>
+                <a:spcPct val="100000"/>
+              </a:lnSpc>
+              <a:spcBef>
+                <a:spcPts val="900"/>
+              </a:spcBef>
+              <a:spcAft>
+                <a:spcPts val="600"/>
+              </a:spcAft>
+            </a:pPr>
+            <a:endParaRPr b="0" i="0">
+              <a:solidFill>
+                <a:srgbClr val="404040"/>
+              </a:solidFill>
+              <a:latin typeface="quote-cjk-patch"/>
+              <a:ea typeface="quote-cjk-patch"/>
+            </a:endParaRPr>
+          </a:p>
+          <a:p>
+            <a:pPr indent="0" marL="0">
+              <a:lnSpc>
+                <a:spcPct val="100000"/>
+              </a:lnSpc>
+              <a:spcBef>
+                <a:spcPct val="0"/>
+              </a:spcBef>
+              <a:spcAft>
+                <a:spcPct val="0"/>
+              </a:spcAft>
+              <a:buFont typeface="Arial" panose="020B0604020202020204"/>
+              <a:buChar char="•"/>
+            </a:pPr>
+            <a:r>
+              <a:rPr b="0" sz="2800" i="0">
+                <a:solidFill>
+                  <a:srgbClr val="404040"/>
+                </a:solidFill>
+                <a:latin typeface="quote-cjk-patch"/>
+                <a:ea typeface="quote-cjk-patch"/>
+              </a:rPr>
+              <a:t>Students struggle to effectively maintain and organize their academic and personal projects.</a:t>
+            </a:r>
+            <a:endParaRPr b="0" sz="2800" i="0">
+              <a:solidFill>
+                <a:srgbClr val="404040"/>
+              </a:solidFill>
+              <a:latin typeface="quote-cjk-patch"/>
+              <a:ea typeface="quote-cjk-patch"/>
+            </a:endParaRPr>
+          </a:p>
+          <a:p>
+            <a:pPr indent="0" marL="0">
+              <a:lnSpc>
+                <a:spcPct val="100000"/>
+              </a:lnSpc>
+              <a:spcBef>
+                <a:spcPct val="0"/>
+              </a:spcBef>
+              <a:spcAft>
+                <a:spcPct val="0"/>
+              </a:spcAft>
+              <a:buFont typeface="Arial" panose="020B0604020202020204"/>
+              <a:buChar char="•"/>
+            </a:pPr>
+            <a:endParaRPr b="0" sz="2800" i="0">
+              <a:solidFill>
+                <a:srgbClr val="404040"/>
+              </a:solidFill>
+              <a:latin typeface="quote-cjk-patch"/>
+              <a:ea typeface="quote-cjk-patch"/>
+            </a:endParaRPr>
+          </a:p>
+          <a:p>
+            <a:pPr indent="0" marL="0">
+              <a:lnSpc>
+                <a:spcPct val="100000"/>
+              </a:lnSpc>
+              <a:spcBef>
+                <a:spcPct val="0"/>
+              </a:spcBef>
+              <a:spcAft>
+                <a:spcPct val="0"/>
+              </a:spcAft>
+              <a:buFont typeface="Arial" panose="020B0604020202020204"/>
+              <a:buChar char="•"/>
+            </a:pPr>
+            <a:r>
+              <a:rPr b="0" sz="2800" i="0">
+                <a:solidFill>
+                  <a:srgbClr val="404040"/>
+                </a:solidFill>
+                <a:latin typeface="quote-cjk-patch"/>
+                <a:ea typeface="quote-cjk-patch"/>
+              </a:rPr>
+              <a:t>Traditional resumes are static and fail to showcase the depth of a student's work.</a:t>
+            </a:r>
+            <a:endParaRPr b="0" sz="2800" i="0">
+              <a:solidFill>
+                <a:srgbClr val="404040"/>
+              </a:solidFill>
+              <a:latin typeface="quote-cjk-patch"/>
+              <a:ea typeface="quote-cjk-patch"/>
+            </a:endParaRPr>
+          </a:p>
+          <a:p>
+            <a:pPr indent="0" marL="0">
+              <a:lnSpc>
+                <a:spcPct val="100000"/>
+              </a:lnSpc>
+              <a:spcBef>
+                <a:spcPct val="0"/>
+              </a:spcBef>
+              <a:spcAft>
+                <a:spcPct val="0"/>
+              </a:spcAft>
+              <a:buFont typeface="Arial" panose="020B0604020202020204"/>
+              <a:buChar char="•"/>
+            </a:pPr>
+            <a:endParaRPr b="0" sz="2800" i="0">
+              <a:solidFill>
+                <a:srgbClr val="404040"/>
+              </a:solidFill>
+              <a:latin typeface="quote-cjk-patch"/>
+              <a:ea typeface="quote-cjk-patch"/>
+            </a:endParaRPr>
+          </a:p>
+          <a:p>
+            <a:pPr indent="0" marL="0">
+              <a:lnSpc>
+                <a:spcPct val="100000"/>
+              </a:lnSpc>
+              <a:spcBef>
+                <a:spcPct val="0"/>
+              </a:spcBef>
+              <a:spcAft>
+                <a:spcPct val="0"/>
+              </a:spcAft>
+              <a:buFont typeface="Arial" panose="020B0604020202020204"/>
+              <a:buChar char="•"/>
+            </a:pPr>
+            <a:r>
+              <a:rPr b="0" sz="2800" i="0">
+                <a:solidFill>
+                  <a:srgbClr val="404040"/>
+                </a:solidFill>
+                <a:latin typeface="quote-cjk-patch"/>
+                <a:ea typeface="quote-cjk-patch"/>
+              </a:rPr>
+              <a:t>There is a gap between showcasing projects and getting actionable feedback on skill development.</a:t>
+            </a:r>
+            <a:endParaRPr b="0" sz="2800" i="0">
+              <a:solidFill>
+                <a:srgbClr val="404040"/>
+              </a:solidFill>
+              <a:latin typeface="quote-cjk-patch"/>
+              <a:ea typeface="quote-cjk-patch"/>
+            </a:endParaRPr>
+          </a:p>
+          <a:p>
+            <a:pPr indent="0" marL="0">
+              <a:lnSpc>
+                <a:spcPct val="100000"/>
+              </a:lnSpc>
+              <a:spcBef>
+                <a:spcPct val="0"/>
+              </a:spcBef>
+              <a:spcAft>
+                <a:spcPct val="0"/>
+              </a:spcAft>
+              <a:buFont typeface="Arial" panose="020B0604020202020204"/>
+              <a:buChar char="•"/>
+            </a:pPr>
+            <a:endParaRPr b="0" sz="2800" i="0">
+              <a:solidFill>
+                <a:srgbClr val="404040"/>
+              </a:solidFill>
+              <a:latin typeface="quote-cjk-patch"/>
+              <a:ea typeface="quote-cjk-patch"/>
+            </a:endParaRPr>
+          </a:p>
+          <a:p>
+            <a:pPr indent="0" marL="0">
+              <a:lnSpc>
+                <a:spcPct val="100000"/>
+              </a:lnSpc>
+              <a:spcBef>
+                <a:spcPct val="0"/>
+              </a:spcBef>
+              <a:spcAft>
+                <a:spcPct val="0"/>
+              </a:spcAft>
+              <a:buFont typeface="Arial" panose="020B0604020202020204"/>
+              <a:buChar char="•"/>
+            </a:pPr>
+            <a:r>
+              <a:rPr b="0" sz="2800" i="0">
+                <a:solidFill>
+                  <a:srgbClr val="404040"/>
+                </a:solidFill>
+                <a:latin typeface="quote-cjk-patch"/>
+                <a:ea typeface="quote-cjk-patch"/>
+              </a:rPr>
+              <a:t>Recruiters find it time-consuming to manually assess a candidate's entire skillset from a PDF</a:t>
+            </a:r>
+            <a:endParaRPr b="0" sz="2800" i="0">
+              <a:solidFill>
+                <a:srgbClr val="404040"/>
+              </a:solidFill>
+              <a:latin typeface="quote-cjk-patch"/>
+              <a:ea typeface="quote-cjk-patch"/>
+            </a:endParaRPr>
+          </a:p>
+        </p:txBody>
+      </p:sp>
+    </p:spTree>
+  </p:cSld>
+  <p:clrMapOvr>
+    <a:masterClrMapping/>
+  </p:clrMapOvr>
+</p:sld>
+</file>
+
+<file path=ppt/slides/slide5.xml><?xml version="1.0" encoding="utf-8"?>
+<p:sld xmlns:a="http://schemas.openxmlformats.org/drawingml/2006/main" xmlns:r="http://schemas.openxmlformats.org/officeDocument/2006/relationships" xmlns:p="http://schemas.openxmlformats.org/presentationml/2006/main">
+  <p:cSld>
+    <p:spTree>
+      <p:nvGrpSpPr>
         <p:cNvPr id="38" name=""/>
         <p:cNvGrpSpPr/>
         <p:nvPr/>
@@ -4421,1311 +5715,6 @@
         </p:nvSpPr>
         <p:spPr>
           <a:xfrm>
-            <a:off x="0" y="0"/>
-            <a:ext cx="11892915" cy="6777990"/>
-          </a:xfrm>
-          <a:prstGeom prst="rect"/>
-        </p:spPr>
-        <p:txBody>
-          <a:bodyPr>
-            <a:noAutofit/>
-          </a:bodyPr>
-          <a:p>
-            <a:pPr algn="ctr" indent="0" marL="0">
-              <a:spcBef>
-                <a:spcPts val="900"/>
-              </a:spcBef>
-              <a:spcAft>
-                <a:spcPts val="600"/>
-              </a:spcAft>
-            </a:pPr>
-            <a:r>
-              <a:rPr b="1" sz="4400" i="0">
-                <a:solidFill>
-                  <a:srgbClr val="404040"/>
-                </a:solidFill>
-                <a:latin typeface="quote-cjk-patch"/>
-                <a:ea typeface="quote-cjk-patch"/>
-              </a:rPr>
-              <a:t>Conclusion</a:t>
-            </a:r>
-            <a:endParaRPr b="1" sz="4400" i="0">
-              <a:solidFill>
-                <a:srgbClr val="404040"/>
-              </a:solidFill>
-              <a:latin typeface="quote-cjk-patch"/>
-              <a:ea typeface="quote-cjk-patch"/>
-            </a:endParaRPr>
-          </a:p>
-          <a:p>
-            <a:pPr algn="ctr" indent="0" marL="0">
-              <a:spcBef>
-                <a:spcPts val="900"/>
-              </a:spcBef>
-              <a:spcAft>
-                <a:spcPts val="600"/>
-              </a:spcAft>
-            </a:pPr>
-            <a:endParaRPr b="1" i="0">
-              <a:solidFill>
-                <a:srgbClr val="404040"/>
-              </a:solidFill>
-              <a:latin typeface="quote-cjk-patch"/>
-              <a:ea typeface="quote-cjk-patch"/>
-            </a:endParaRPr>
-          </a:p>
-          <a:p>
-            <a:pPr indent="0" marL="0">
-              <a:lnSpc>
-                <a:spcPct val="100000"/>
-              </a:lnSpc>
-              <a:spcBef>
-                <a:spcPts val="600"/>
-              </a:spcBef>
-              <a:spcAft>
-                <a:spcPts val="600"/>
-              </a:spcAft>
-            </a:pPr>
-            <a:r>
-              <a:rPr b="0" sz="2800" i="0">
-                <a:solidFill>
-                  <a:srgbClr val="404040"/>
-                </a:solidFill>
-                <a:latin typeface="quote-cjk-patch"/>
-                <a:ea typeface="quote-cjk-patch"/>
-              </a:rPr>
-              <a:t>The "Smart Digital Portfolio" project successfully addresses the modern need for a dynamic and insightful professional presentation. By integrating traditional portfolio elements with powerful analytics and a personalized recommendation system, it empowers students to not only display their past achievements but also strategically plan their future skill development. This platform bridges the gap between students and opportunities effectively.</a:t>
-            </a:r>
-            <a:endParaRPr b="0" sz="2800" i="0">
-              <a:solidFill>
-                <a:srgbClr val="404040"/>
-              </a:solidFill>
-              <a:latin typeface="quote-cjk-patch"/>
-              <a:ea typeface="quote-cjk-patch"/>
-            </a:endParaRPr>
-          </a:p>
-        </p:txBody>
-      </p:sp>
-    </p:spTree>
-  </p:cSld>
-  <p:clrMapOvr>
-    <a:masterClrMapping/>
-  </p:clrMapOvr>
-</p:sld>
-</file>
-
-<file path=ppt/slides/slide2.xml><?xml version="1.0" encoding="utf-8"?>
-<p:sld xmlns:a="http://schemas.openxmlformats.org/drawingml/2006/main" xmlns:r="http://schemas.openxmlformats.org/officeDocument/2006/relationships" xmlns:p="http://schemas.openxmlformats.org/presentationml/2006/main">
-  <p:cSld>
-    <p:spTree>
-      <p:nvGrpSpPr>
-        <p:cNvPr id="28" name=""/>
-        <p:cNvGrpSpPr/>
-        <p:nvPr/>
-      </p:nvGrpSpPr>
-      <p:grpSpPr>
-        <a:xfrm/>
-      </p:grpSpPr>
-      <p:sp>
-        <p:nvSpPr>
-          <p:cNvPr id="1048585" name="Text Box 1"/>
-          <p:cNvSpPr txBox="1"/>
-          <p:nvPr/>
-        </p:nvSpPr>
-        <p:spPr>
-          <a:xfrm>
-            <a:off x="337820" y="234950"/>
-            <a:ext cx="10503535" cy="5248275"/>
-          </a:xfrm>
-          <a:prstGeom prst="rect"/>
-        </p:spPr>
-        <p:txBody>
-          <a:bodyPr>
-            <a:noAutofit/>
-          </a:bodyPr>
-          <a:p>
-            <a:pPr algn="ctr" indent="0" marL="0">
-              <a:spcBef>
-                <a:spcPts val="900"/>
-              </a:spcBef>
-              <a:spcAft>
-                <a:spcPts val="600"/>
-              </a:spcAft>
-            </a:pPr>
-            <a:r>
-              <a:rPr b="1" sz="4000">
-                <a:solidFill>
-                  <a:srgbClr val="404040"/>
-                </a:solidFill>
-                <a:latin typeface="quote-cjk-patch"/>
-                <a:ea typeface="quote-cjk-patch"/>
-              </a:rPr>
-              <a:t>Project Title</a:t>
-            </a:r>
-            <a:endParaRPr b="1" sz="4000">
-              <a:solidFill>
-                <a:srgbClr val="404040"/>
-              </a:solidFill>
-              <a:latin typeface="quote-cjk-patch"/>
-              <a:ea typeface="quote-cjk-patch"/>
-            </a:endParaRPr>
-          </a:p>
-          <a:p>
-            <a:pPr indent="0" marL="0">
-              <a:spcBef>
-                <a:spcPts val="900"/>
-              </a:spcBef>
-              <a:spcAft>
-                <a:spcPts val="600"/>
-              </a:spcAft>
-            </a:pPr>
-            <a:endParaRPr b="1" sz="4000">
-              <a:solidFill>
-                <a:srgbClr val="404040"/>
-              </a:solidFill>
-              <a:latin typeface="quote-cjk-patch"/>
-              <a:ea typeface="quote-cjk-patch"/>
-            </a:endParaRPr>
-          </a:p>
-          <a:p>
-            <a:pPr indent="0" marL="0">
-              <a:spcBef>
-                <a:spcPts val="900"/>
-              </a:spcBef>
-              <a:spcAft>
-                <a:spcPts val="600"/>
-              </a:spcAft>
-            </a:pPr>
-            <a:r>
-              <a:rPr b="0" sz="2500" i="0">
-                <a:solidFill>
-                  <a:srgbClr val="404040"/>
-                </a:solidFill>
-                <a:latin typeface="quote-cjk-patch"/>
-                <a:ea typeface="quote-cjk-patch"/>
-              </a:rPr>
-              <a:t>Smart Digital Portfolio with Skill Analytics &amp; Recommendation</a:t>
-            </a:r>
-            <a:endParaRPr b="0" sz="2500" i="0">
-              <a:solidFill>
-                <a:srgbClr val="404040"/>
-              </a:solidFill>
-              <a:latin typeface="quote-cjk-patch"/>
-              <a:ea typeface="quote-cjk-patch"/>
-            </a:endParaRPr>
-          </a:p>
-        </p:txBody>
-      </p:sp>
-    </p:spTree>
-  </p:cSld>
-  <p:clrMapOvr>
-    <a:masterClrMapping/>
-  </p:clrMapOvr>
-</p:sld>
-</file>
-
-<file path=ppt/slides/slide3.xml><?xml version="1.0" encoding="utf-8"?>
-<p:sld xmlns:a="http://schemas.openxmlformats.org/drawingml/2006/main" xmlns:r="http://schemas.openxmlformats.org/officeDocument/2006/relationships" xmlns:p="http://schemas.openxmlformats.org/presentationml/2006/main">
-  <p:cSld>
-    <p:spTree>
-      <p:nvGrpSpPr>
-        <p:cNvPr id="29" name=""/>
-        <p:cNvGrpSpPr/>
-        <p:nvPr/>
-      </p:nvGrpSpPr>
-      <p:grpSpPr>
-        <a:xfrm/>
-      </p:grpSpPr>
-      <p:sp>
-        <p:nvSpPr>
-          <p:cNvPr id="1048586" name="Text Box 1"/>
-          <p:cNvSpPr txBox="1"/>
-          <p:nvPr/>
-        </p:nvSpPr>
-        <p:spPr>
-          <a:xfrm>
-            <a:off x="179705" y="188595"/>
-            <a:ext cx="11666220" cy="6564630"/>
-          </a:xfrm>
-          <a:prstGeom prst="rect"/>
-        </p:spPr>
-        <p:txBody>
-          <a:bodyPr>
-            <a:noAutofit/>
-          </a:bodyPr>
-          <a:p>
-            <a:pPr algn="ctr" indent="0" marL="0">
-              <a:spcBef>
-                <a:spcPts val="900"/>
-              </a:spcBef>
-              <a:spcAft>
-                <a:spcPts val="600"/>
-              </a:spcAft>
-            </a:pPr>
-            <a:r>
-              <a:rPr b="0" i="0" lang="en-US">
-                <a:solidFill>
-                  <a:srgbClr val="404040"/>
-                </a:solidFill>
-                <a:latin typeface="quote-cjk-patch"/>
-                <a:ea typeface="quote-cjk-patch"/>
-              </a:rPr>
-              <a:t>  </a:t>
-            </a:r>
-            <a:r>
-              <a:rPr b="1" sz="4400" i="0">
-                <a:solidFill>
-                  <a:srgbClr val="404040"/>
-                </a:solidFill>
-                <a:latin typeface="quote-cjk-patch"/>
-                <a:ea typeface="quote-cjk-patch"/>
-              </a:rPr>
-              <a:t>Agenda</a:t>
-            </a:r>
-            <a:endParaRPr b="1" sz="4400" i="0">
-              <a:solidFill>
-                <a:srgbClr val="404040"/>
-              </a:solidFill>
-              <a:latin typeface="quote-cjk-patch"/>
-              <a:ea typeface="quote-cjk-patch"/>
-            </a:endParaRPr>
-          </a:p>
-          <a:p>
-            <a:pPr algn="ctr" indent="0" marL="0">
-              <a:spcBef>
-                <a:spcPts val="900"/>
-              </a:spcBef>
-              <a:spcAft>
-                <a:spcPts val="600"/>
-              </a:spcAft>
-            </a:pPr>
-            <a:endParaRPr b="0" i="0">
-              <a:solidFill>
-                <a:srgbClr val="404040"/>
-              </a:solidFill>
-              <a:latin typeface="quote-cjk-patch"/>
-              <a:ea typeface="quote-cjk-patch"/>
-            </a:endParaRPr>
-          </a:p>
-          <a:p>
-            <a:pPr indent="0" marL="0">
-              <a:lnSpc>
-                <a:spcPts val="1430"/>
-              </a:lnSpc>
-              <a:spcBef>
-                <a:spcPct val="0"/>
-              </a:spcBef>
-              <a:spcAft>
-                <a:spcPct val="0"/>
-              </a:spcAft>
-              <a:buAutoNum type="arabicPeriod"/>
-            </a:pPr>
-            <a:r>
-              <a:rPr b="0" sz="2800" i="0">
-                <a:solidFill>
-                  <a:srgbClr val="404040"/>
-                </a:solidFill>
-                <a:latin typeface="quote-cjk-patch"/>
-                <a:ea typeface="quote-cjk-patch"/>
-              </a:rPr>
-              <a:t>Problem Statement</a:t>
-            </a:r>
-            <a:endParaRPr b="0" sz="2800" i="0">
-              <a:solidFill>
-                <a:srgbClr val="404040"/>
-              </a:solidFill>
-              <a:latin typeface="quote-cjk-patch"/>
-              <a:ea typeface="quote-cjk-patch"/>
-            </a:endParaRPr>
-          </a:p>
-          <a:p>
-            <a:pPr indent="0" marL="0">
-              <a:lnSpc>
-                <a:spcPts val="1430"/>
-              </a:lnSpc>
-              <a:spcBef>
-                <a:spcPct val="0"/>
-              </a:spcBef>
-              <a:spcAft>
-                <a:spcPct val="0"/>
-              </a:spcAft>
-              <a:buAutoNum type="arabicPeriod"/>
-            </a:pPr>
-            <a:endParaRPr b="0" sz="2800" i="0">
-              <a:solidFill>
-                <a:srgbClr val="404040"/>
-              </a:solidFill>
-              <a:latin typeface="quote-cjk-patch"/>
-              <a:ea typeface="quote-cjk-patch"/>
-            </a:endParaRPr>
-          </a:p>
-          <a:p>
-            <a:pPr indent="0" marL="0">
-              <a:lnSpc>
-                <a:spcPts val="1430"/>
-              </a:lnSpc>
-              <a:spcBef>
-                <a:spcPct val="0"/>
-              </a:spcBef>
-              <a:spcAft>
-                <a:spcPct val="0"/>
-              </a:spcAft>
-              <a:buAutoNum type="arabicPeriod"/>
-            </a:pPr>
-            <a:endParaRPr b="0" sz="2800" i="0">
-              <a:solidFill>
-                <a:srgbClr val="404040"/>
-              </a:solidFill>
-              <a:latin typeface="quote-cjk-patch"/>
-              <a:ea typeface="quote-cjk-patch"/>
-            </a:endParaRPr>
-          </a:p>
-          <a:p>
-            <a:pPr indent="0" marL="0">
-              <a:lnSpc>
-                <a:spcPts val="1430"/>
-              </a:lnSpc>
-              <a:spcBef>
-                <a:spcPct val="0"/>
-              </a:spcBef>
-              <a:spcAft>
-                <a:spcPct val="0"/>
-              </a:spcAft>
-              <a:buAutoNum type="arabicPeriod"/>
-            </a:pPr>
-            <a:r>
-              <a:rPr b="0" sz="2800" i="0">
-                <a:solidFill>
-                  <a:srgbClr val="404040"/>
-                </a:solidFill>
-                <a:latin typeface="quote-cjk-patch"/>
-                <a:ea typeface="quote-cjk-patch"/>
-              </a:rPr>
-              <a:t>Project Overview</a:t>
-            </a:r>
-            <a:endParaRPr b="0" sz="2800" i="0">
-              <a:solidFill>
-                <a:srgbClr val="404040"/>
-              </a:solidFill>
-              <a:latin typeface="quote-cjk-patch"/>
-              <a:ea typeface="quote-cjk-patch"/>
-            </a:endParaRPr>
-          </a:p>
-          <a:p>
-            <a:pPr indent="0" marL="0">
-              <a:lnSpc>
-                <a:spcPts val="1430"/>
-              </a:lnSpc>
-              <a:spcBef>
-                <a:spcPct val="0"/>
-              </a:spcBef>
-              <a:spcAft>
-                <a:spcPct val="0"/>
-              </a:spcAft>
-              <a:buAutoNum type="arabicPeriod"/>
-            </a:pPr>
-            <a:endParaRPr b="0" sz="2800" i="0">
-              <a:solidFill>
-                <a:srgbClr val="404040"/>
-              </a:solidFill>
-              <a:latin typeface="quote-cjk-patch"/>
-              <a:ea typeface="quote-cjk-patch"/>
-            </a:endParaRPr>
-          </a:p>
-          <a:p>
-            <a:pPr indent="0" marL="0">
-              <a:lnSpc>
-                <a:spcPts val="1430"/>
-              </a:lnSpc>
-              <a:spcBef>
-                <a:spcPct val="0"/>
-              </a:spcBef>
-              <a:spcAft>
-                <a:spcPct val="0"/>
-              </a:spcAft>
-              <a:buAutoNum type="arabicPeriod"/>
-            </a:pPr>
-            <a:endParaRPr b="0" sz="2800" i="0">
-              <a:solidFill>
-                <a:srgbClr val="404040"/>
-              </a:solidFill>
-              <a:latin typeface="quote-cjk-patch"/>
-              <a:ea typeface="quote-cjk-patch"/>
-            </a:endParaRPr>
-          </a:p>
-          <a:p>
-            <a:pPr indent="0" marL="0">
-              <a:lnSpc>
-                <a:spcPts val="1430"/>
-              </a:lnSpc>
-              <a:spcBef>
-                <a:spcPct val="0"/>
-              </a:spcBef>
-              <a:spcAft>
-                <a:spcPct val="0"/>
-              </a:spcAft>
-              <a:buAutoNum type="arabicPeriod"/>
-            </a:pPr>
-            <a:r>
-              <a:rPr b="0" sz="2800" i="0">
-                <a:solidFill>
-                  <a:srgbClr val="404040"/>
-                </a:solidFill>
-                <a:latin typeface="quote-cjk-patch"/>
-                <a:ea typeface="quote-cjk-patch"/>
-              </a:rPr>
-              <a:t>End Users</a:t>
-            </a:r>
-            <a:endParaRPr b="0" sz="2800" i="0">
-              <a:solidFill>
-                <a:srgbClr val="404040"/>
-              </a:solidFill>
-              <a:latin typeface="quote-cjk-patch"/>
-              <a:ea typeface="quote-cjk-patch"/>
-            </a:endParaRPr>
-          </a:p>
-          <a:p>
-            <a:pPr indent="0" marL="0">
-              <a:lnSpc>
-                <a:spcPts val="1430"/>
-              </a:lnSpc>
-              <a:spcBef>
-                <a:spcPct val="0"/>
-              </a:spcBef>
-              <a:spcAft>
-                <a:spcPct val="0"/>
-              </a:spcAft>
-              <a:buAutoNum type="arabicPeriod"/>
-            </a:pPr>
-            <a:endParaRPr b="0" sz="2800" i="0">
-              <a:solidFill>
-                <a:srgbClr val="404040"/>
-              </a:solidFill>
-              <a:latin typeface="quote-cjk-patch"/>
-              <a:ea typeface="quote-cjk-patch"/>
-            </a:endParaRPr>
-          </a:p>
-          <a:p>
-            <a:pPr indent="0" marL="0">
-              <a:lnSpc>
-                <a:spcPts val="1430"/>
-              </a:lnSpc>
-              <a:spcBef>
-                <a:spcPct val="0"/>
-              </a:spcBef>
-              <a:spcAft>
-                <a:spcPct val="0"/>
-              </a:spcAft>
-              <a:buAutoNum type="arabicPeriod"/>
-            </a:pPr>
-            <a:endParaRPr b="0" sz="2800" i="0">
-              <a:solidFill>
-                <a:srgbClr val="404040"/>
-              </a:solidFill>
-              <a:latin typeface="quote-cjk-patch"/>
-              <a:ea typeface="quote-cjk-patch"/>
-            </a:endParaRPr>
-          </a:p>
-          <a:p>
-            <a:pPr indent="0" marL="0">
-              <a:lnSpc>
-                <a:spcPts val="1430"/>
-              </a:lnSpc>
-              <a:spcBef>
-                <a:spcPct val="0"/>
-              </a:spcBef>
-              <a:spcAft>
-                <a:spcPct val="0"/>
-              </a:spcAft>
-              <a:buAutoNum type="arabicPeriod"/>
-            </a:pPr>
-            <a:r>
-              <a:rPr b="0" sz="2800" i="0">
-                <a:solidFill>
-                  <a:srgbClr val="404040"/>
-                </a:solidFill>
-                <a:latin typeface="quote-cjk-patch"/>
-                <a:ea typeface="quote-cjk-patch"/>
-              </a:rPr>
-              <a:t>Tools &amp; Technologie</a:t>
-            </a:r>
-            <a:endParaRPr b="0" sz="2800" i="0">
-              <a:solidFill>
-                <a:srgbClr val="404040"/>
-              </a:solidFill>
-              <a:latin typeface="quote-cjk-patch"/>
-              <a:ea typeface="quote-cjk-patch"/>
-            </a:endParaRPr>
-          </a:p>
-          <a:p>
-            <a:pPr indent="0" marL="0">
-              <a:lnSpc>
-                <a:spcPts val="1430"/>
-              </a:lnSpc>
-              <a:spcBef>
-                <a:spcPct val="0"/>
-              </a:spcBef>
-              <a:spcAft>
-                <a:spcPct val="0"/>
-              </a:spcAft>
-              <a:buAutoNum type="arabicPeriod"/>
-            </a:pPr>
-            <a:endParaRPr b="0" sz="2800" i="0">
-              <a:solidFill>
-                <a:srgbClr val="404040"/>
-              </a:solidFill>
-              <a:latin typeface="quote-cjk-patch"/>
-              <a:ea typeface="quote-cjk-patch"/>
-            </a:endParaRPr>
-          </a:p>
-          <a:p>
-            <a:pPr indent="0" marL="0">
-              <a:lnSpc>
-                <a:spcPts val="1430"/>
-              </a:lnSpc>
-              <a:spcBef>
-                <a:spcPct val="0"/>
-              </a:spcBef>
-              <a:spcAft>
-                <a:spcPct val="0"/>
-              </a:spcAft>
-              <a:buAutoNum type="arabicPeriod"/>
-            </a:pPr>
-            <a:endParaRPr b="0" sz="2800" i="0">
-              <a:solidFill>
-                <a:srgbClr val="404040"/>
-              </a:solidFill>
-              <a:latin typeface="quote-cjk-patch"/>
-              <a:ea typeface="quote-cjk-patch"/>
-            </a:endParaRPr>
-          </a:p>
-          <a:p>
-            <a:pPr indent="0" marL="0">
-              <a:lnSpc>
-                <a:spcPts val="1430"/>
-              </a:lnSpc>
-              <a:spcBef>
-                <a:spcPct val="0"/>
-              </a:spcBef>
-              <a:spcAft>
-                <a:spcPct val="0"/>
-              </a:spcAft>
-              <a:buAutoNum type="arabicPeriod"/>
-            </a:pPr>
-            <a:r>
-              <a:rPr b="0" sz="2800" i="0">
-                <a:solidFill>
-                  <a:srgbClr val="404040"/>
-                </a:solidFill>
-                <a:latin typeface="quote-cjk-patch"/>
-                <a:ea typeface="quote-cjk-patch"/>
-              </a:rPr>
-              <a:t>Design &amp; Layout</a:t>
-            </a:r>
-            <a:endParaRPr b="0" sz="2800" i="0">
-              <a:solidFill>
-                <a:srgbClr val="404040"/>
-              </a:solidFill>
-              <a:latin typeface="quote-cjk-patch"/>
-              <a:ea typeface="quote-cjk-patch"/>
-            </a:endParaRPr>
-          </a:p>
-          <a:p>
-            <a:pPr indent="0" marL="0">
-              <a:lnSpc>
-                <a:spcPts val="1430"/>
-              </a:lnSpc>
-              <a:spcBef>
-                <a:spcPct val="0"/>
-              </a:spcBef>
-              <a:spcAft>
-                <a:spcPct val="0"/>
-              </a:spcAft>
-              <a:buAutoNum type="arabicPeriod"/>
-            </a:pPr>
-            <a:endParaRPr b="0" sz="2800" i="0">
-              <a:solidFill>
-                <a:srgbClr val="404040"/>
-              </a:solidFill>
-              <a:latin typeface="quote-cjk-patch"/>
-              <a:ea typeface="quote-cjk-patch"/>
-            </a:endParaRPr>
-          </a:p>
-          <a:p>
-            <a:pPr indent="0" marL="0">
-              <a:lnSpc>
-                <a:spcPts val="1430"/>
-              </a:lnSpc>
-              <a:spcBef>
-                <a:spcPct val="0"/>
-              </a:spcBef>
-              <a:spcAft>
-                <a:spcPct val="0"/>
-              </a:spcAft>
-              <a:buAutoNum type="arabicPeriod"/>
-            </a:pPr>
-            <a:endParaRPr b="0" sz="2800" i="0">
-              <a:solidFill>
-                <a:srgbClr val="404040"/>
-              </a:solidFill>
-              <a:latin typeface="quote-cjk-patch"/>
-              <a:ea typeface="quote-cjk-patch"/>
-            </a:endParaRPr>
-          </a:p>
-          <a:p>
-            <a:pPr indent="0" marL="0">
-              <a:lnSpc>
-                <a:spcPts val="1430"/>
-              </a:lnSpc>
-              <a:spcBef>
-                <a:spcPct val="0"/>
-              </a:spcBef>
-              <a:spcAft>
-                <a:spcPct val="0"/>
-              </a:spcAft>
-              <a:buAutoNum type="arabicPeriod"/>
-            </a:pPr>
-            <a:r>
-              <a:rPr b="0" sz="2800" i="0">
-                <a:solidFill>
-                  <a:srgbClr val="404040"/>
-                </a:solidFill>
-                <a:latin typeface="quote-cjk-patch"/>
-                <a:ea typeface="quote-cjk-patch"/>
-              </a:rPr>
-              <a:t>Features &amp; Functionality</a:t>
-            </a:r>
-            <a:endParaRPr b="0" sz="2800" i="0">
-              <a:solidFill>
-                <a:srgbClr val="404040"/>
-              </a:solidFill>
-              <a:latin typeface="quote-cjk-patch"/>
-              <a:ea typeface="quote-cjk-patch"/>
-            </a:endParaRPr>
-          </a:p>
-          <a:p>
-            <a:pPr indent="0" marL="0">
-              <a:lnSpc>
-                <a:spcPts val="1430"/>
-              </a:lnSpc>
-              <a:spcBef>
-                <a:spcPct val="0"/>
-              </a:spcBef>
-              <a:spcAft>
-                <a:spcPct val="0"/>
-              </a:spcAft>
-              <a:buAutoNum type="arabicPeriod"/>
-            </a:pPr>
-            <a:endParaRPr b="0" sz="2800" i="0">
-              <a:solidFill>
-                <a:srgbClr val="404040"/>
-              </a:solidFill>
-              <a:latin typeface="quote-cjk-patch"/>
-              <a:ea typeface="quote-cjk-patch"/>
-            </a:endParaRPr>
-          </a:p>
-          <a:p>
-            <a:pPr indent="0" marL="0">
-              <a:lnSpc>
-                <a:spcPts val="1430"/>
-              </a:lnSpc>
-              <a:spcBef>
-                <a:spcPct val="0"/>
-              </a:spcBef>
-              <a:spcAft>
-                <a:spcPct val="0"/>
-              </a:spcAft>
-              <a:buAutoNum type="arabicPeriod"/>
-            </a:pPr>
-            <a:endParaRPr b="0" sz="2800" i="0">
-              <a:solidFill>
-                <a:srgbClr val="404040"/>
-              </a:solidFill>
-              <a:latin typeface="quote-cjk-patch"/>
-              <a:ea typeface="quote-cjk-patch"/>
-            </a:endParaRPr>
-          </a:p>
-          <a:p>
-            <a:pPr indent="0" marL="0">
-              <a:lnSpc>
-                <a:spcPts val="1430"/>
-              </a:lnSpc>
-              <a:spcBef>
-                <a:spcPct val="0"/>
-              </a:spcBef>
-              <a:spcAft>
-                <a:spcPct val="0"/>
-              </a:spcAft>
-              <a:buAutoNum type="arabicPeriod"/>
-            </a:pPr>
-            <a:r>
-              <a:rPr b="0" sz="2800" i="0">
-                <a:solidFill>
-                  <a:srgbClr val="404040"/>
-                </a:solidFill>
-                <a:latin typeface="quote-cjk-patch"/>
-                <a:ea typeface="quote-cjk-patch"/>
-              </a:rPr>
-              <a:t>Results</a:t>
-            </a:r>
-            <a:endParaRPr b="0" sz="2800" i="0">
-              <a:solidFill>
-                <a:srgbClr val="404040"/>
-              </a:solidFill>
-              <a:latin typeface="quote-cjk-patch"/>
-              <a:ea typeface="quote-cjk-patch"/>
-            </a:endParaRPr>
-          </a:p>
-          <a:p>
-            <a:pPr indent="0" marL="0">
-              <a:lnSpc>
-                <a:spcPts val="1430"/>
-              </a:lnSpc>
-              <a:spcBef>
-                <a:spcPct val="0"/>
-              </a:spcBef>
-              <a:spcAft>
-                <a:spcPct val="0"/>
-              </a:spcAft>
-              <a:buAutoNum type="arabicPeriod"/>
-            </a:pPr>
-            <a:endParaRPr b="0" sz="2800" i="0">
-              <a:solidFill>
-                <a:srgbClr val="404040"/>
-              </a:solidFill>
-              <a:latin typeface="quote-cjk-patch"/>
-              <a:ea typeface="quote-cjk-patch"/>
-            </a:endParaRPr>
-          </a:p>
-          <a:p>
-            <a:pPr indent="0" marL="0">
-              <a:lnSpc>
-                <a:spcPts val="1430"/>
-              </a:lnSpc>
-              <a:spcBef>
-                <a:spcPct val="0"/>
-              </a:spcBef>
-              <a:spcAft>
-                <a:spcPct val="0"/>
-              </a:spcAft>
-              <a:buAutoNum type="arabicPeriod"/>
-            </a:pPr>
-            <a:endParaRPr b="0" sz="2800" i="0">
-              <a:solidFill>
-                <a:srgbClr val="404040"/>
-              </a:solidFill>
-              <a:latin typeface="quote-cjk-patch"/>
-              <a:ea typeface="quote-cjk-patch"/>
-            </a:endParaRPr>
-          </a:p>
-          <a:p>
-            <a:pPr indent="0" marL="0">
-              <a:lnSpc>
-                <a:spcPts val="1430"/>
-              </a:lnSpc>
-              <a:spcBef>
-                <a:spcPct val="0"/>
-              </a:spcBef>
-              <a:spcAft>
-                <a:spcPct val="0"/>
-              </a:spcAft>
-              <a:buAutoNum type="arabicPeriod"/>
-            </a:pPr>
-            <a:r>
-              <a:rPr b="0" sz="2800" i="0">
-                <a:solidFill>
-                  <a:srgbClr val="404040"/>
-                </a:solidFill>
-                <a:latin typeface="quote-cjk-patch"/>
-                <a:ea typeface="quote-cjk-patch"/>
-              </a:rPr>
-              <a:t>Sample Output Images</a:t>
-            </a:r>
-            <a:endParaRPr b="0" sz="2800" i="0">
-              <a:solidFill>
-                <a:srgbClr val="404040"/>
-              </a:solidFill>
-              <a:latin typeface="quote-cjk-patch"/>
-              <a:ea typeface="quote-cjk-patch"/>
-            </a:endParaRPr>
-          </a:p>
-          <a:p>
-            <a:pPr indent="0" marL="0">
-              <a:lnSpc>
-                <a:spcPts val="1430"/>
-              </a:lnSpc>
-              <a:spcBef>
-                <a:spcPct val="0"/>
-              </a:spcBef>
-              <a:spcAft>
-                <a:spcPct val="0"/>
-              </a:spcAft>
-              <a:buAutoNum type="arabicPeriod"/>
-            </a:pPr>
-            <a:endParaRPr b="0" sz="2800" i="0">
-              <a:solidFill>
-                <a:srgbClr val="404040"/>
-              </a:solidFill>
-              <a:latin typeface="quote-cjk-patch"/>
-              <a:ea typeface="quote-cjk-patch"/>
-            </a:endParaRPr>
-          </a:p>
-          <a:p>
-            <a:pPr indent="0" marL="0">
-              <a:lnSpc>
-                <a:spcPts val="1430"/>
-              </a:lnSpc>
-              <a:spcBef>
-                <a:spcPct val="0"/>
-              </a:spcBef>
-              <a:spcAft>
-                <a:spcPct val="0"/>
-              </a:spcAft>
-              <a:buAutoNum type="arabicPeriod"/>
-            </a:pPr>
-            <a:endParaRPr b="0" sz="2800" i="0">
-              <a:solidFill>
-                <a:srgbClr val="404040"/>
-              </a:solidFill>
-              <a:latin typeface="quote-cjk-patch"/>
-              <a:ea typeface="quote-cjk-patch"/>
-            </a:endParaRPr>
-          </a:p>
-          <a:p>
-            <a:pPr indent="0" marL="0">
-              <a:lnSpc>
-                <a:spcPts val="1430"/>
-              </a:lnSpc>
-              <a:spcBef>
-                <a:spcPct val="0"/>
-              </a:spcBef>
-              <a:spcAft>
-                <a:spcPct val="0"/>
-              </a:spcAft>
-              <a:buAutoNum type="arabicPeriod"/>
-            </a:pPr>
-            <a:r>
-              <a:rPr b="0" sz="2800" i="0">
-                <a:solidFill>
-                  <a:srgbClr val="404040"/>
-                </a:solidFill>
-                <a:latin typeface="quote-cjk-patch"/>
-                <a:ea typeface="quote-cjk-patch"/>
-              </a:rPr>
-              <a:t>Conclusion</a:t>
-            </a:r>
-            <a:endParaRPr b="0" sz="2800" i="0">
-              <a:solidFill>
-                <a:srgbClr val="404040"/>
-              </a:solidFill>
-              <a:latin typeface="quote-cjk-patch"/>
-              <a:ea typeface="quote-cjk-patch"/>
-            </a:endParaRPr>
-          </a:p>
-          <a:p>
-            <a:pPr indent="0" marL="0">
-              <a:lnSpc>
-                <a:spcPts val="1430"/>
-              </a:lnSpc>
-              <a:spcBef>
-                <a:spcPct val="0"/>
-              </a:spcBef>
-              <a:spcAft>
-                <a:spcPct val="0"/>
-              </a:spcAft>
-              <a:buAutoNum type="arabicPeriod"/>
-            </a:pPr>
-            <a:endParaRPr b="0" sz="2800" i="0">
-              <a:solidFill>
-                <a:srgbClr val="404040"/>
-              </a:solidFill>
-              <a:latin typeface="quote-cjk-patch"/>
-              <a:ea typeface="quote-cjk-patch"/>
-            </a:endParaRPr>
-          </a:p>
-          <a:p>
-            <a:pPr indent="0" marL="0">
-              <a:lnSpc>
-                <a:spcPts val="1430"/>
-              </a:lnSpc>
-              <a:spcBef>
-                <a:spcPct val="0"/>
-              </a:spcBef>
-              <a:spcAft>
-                <a:spcPct val="0"/>
-              </a:spcAft>
-              <a:buAutoNum type="arabicPeriod"/>
-            </a:pPr>
-            <a:endParaRPr b="0" sz="2800" i="0">
-              <a:solidFill>
-                <a:srgbClr val="404040"/>
-              </a:solidFill>
-              <a:latin typeface="quote-cjk-patch"/>
-              <a:ea typeface="quote-cjk-patch"/>
-            </a:endParaRPr>
-          </a:p>
-          <a:p>
-            <a:pPr indent="0" marL="0">
-              <a:lnSpc>
-                <a:spcPts val="1430"/>
-              </a:lnSpc>
-              <a:spcBef>
-                <a:spcPct val="0"/>
-              </a:spcBef>
-              <a:spcAft>
-                <a:spcPct val="0"/>
-              </a:spcAft>
-              <a:buAutoNum type="arabicPeriod"/>
-            </a:pPr>
-            <a:r>
-              <a:rPr b="0" sz="2800" i="0">
-                <a:solidFill>
-                  <a:srgbClr val="404040"/>
-                </a:solidFill>
-                <a:latin typeface="quote-cjk-patch"/>
-                <a:ea typeface="quote-cjk-patch"/>
-              </a:rPr>
-              <a:t>GitHub Link</a:t>
-            </a:r>
-            <a:endParaRPr b="0" sz="2800" i="0">
-              <a:solidFill>
-                <a:srgbClr val="404040"/>
-              </a:solidFill>
-              <a:latin typeface="quote-cjk-patch"/>
-              <a:ea typeface="quote-cjk-patch"/>
-            </a:endParaRPr>
-          </a:p>
-          <a:p>
-            <a:pPr indent="0" marL="0">
-              <a:lnSpc>
-                <a:spcPts val="1430"/>
-              </a:lnSpc>
-              <a:spcBef>
-                <a:spcPct val="0"/>
-              </a:spcBef>
-              <a:spcAft>
-                <a:spcPct val="0"/>
-              </a:spcAft>
-              <a:buNone/>
-            </a:pPr>
-            <a:endParaRPr b="0" sz="2800" i="0">
-              <a:solidFill>
-                <a:srgbClr val="404040"/>
-              </a:solidFill>
-              <a:latin typeface="quote-cjk-patch"/>
-              <a:ea typeface="quote-cjk-patch"/>
-            </a:endParaRPr>
-          </a:p>
-        </p:txBody>
-      </p:sp>
-    </p:spTree>
-  </p:cSld>
-  <p:clrMapOvr>
-    <a:masterClrMapping/>
-  </p:clrMapOvr>
-</p:sld>
-</file>
-
-<file path=ppt/slides/slide4.xml><?xml version="1.0" encoding="utf-8"?>
-<p:sld xmlns:a="http://schemas.openxmlformats.org/drawingml/2006/main" xmlns:r="http://schemas.openxmlformats.org/officeDocument/2006/relationships" xmlns:p="http://schemas.openxmlformats.org/presentationml/2006/main">
-  <p:cSld>
-    <p:spTree>
-      <p:nvGrpSpPr>
-        <p:cNvPr id="30" name=""/>
-        <p:cNvGrpSpPr/>
-        <p:nvPr/>
-      </p:nvGrpSpPr>
-      <p:grpSpPr>
-        <a:xfrm/>
-      </p:grpSpPr>
-      <p:sp>
-        <p:nvSpPr>
-          <p:cNvPr id="1048587" name="Text Box 2"/>
-          <p:cNvSpPr txBox="1"/>
-          <p:nvPr/>
-        </p:nvSpPr>
-        <p:spPr>
-          <a:xfrm>
-            <a:off x="0" y="62865"/>
-            <a:ext cx="12095480" cy="6659245"/>
-          </a:xfrm>
-          <a:prstGeom prst="rect"/>
-        </p:spPr>
-        <p:txBody>
-          <a:bodyPr>
-            <a:noAutofit/>
-          </a:bodyPr>
-          <a:p>
-            <a:pPr indent="0" marL="0">
-              <a:spcBef>
-                <a:spcPts val="900"/>
-              </a:spcBef>
-              <a:spcAft>
-                <a:spcPts val="600"/>
-              </a:spcAft>
-            </a:pPr>
-            <a:r>
-              <a:rPr b="0" sz="4400" i="0">
-                <a:solidFill>
-                  <a:srgbClr val="404040"/>
-                </a:solidFill>
-                <a:latin typeface="quote-cjk-patch"/>
-                <a:ea typeface="quote-cjk-patch"/>
-              </a:rPr>
-              <a:t>Problem Statement</a:t>
-            </a:r>
-            <a:endParaRPr b="0" sz="4400" i="0">
-              <a:solidFill>
-                <a:srgbClr val="404040"/>
-              </a:solidFill>
-              <a:latin typeface="quote-cjk-patch"/>
-              <a:ea typeface="quote-cjk-patch"/>
-            </a:endParaRPr>
-          </a:p>
-          <a:p>
-            <a:pPr indent="0" marL="0">
-              <a:lnSpc>
-                <a:spcPct val="100000"/>
-              </a:lnSpc>
-              <a:spcBef>
-                <a:spcPts val="900"/>
-              </a:spcBef>
-              <a:spcAft>
-                <a:spcPts val="600"/>
-              </a:spcAft>
-            </a:pPr>
-            <a:endParaRPr b="0" i="0">
-              <a:solidFill>
-                <a:srgbClr val="404040"/>
-              </a:solidFill>
-              <a:latin typeface="quote-cjk-patch"/>
-              <a:ea typeface="quote-cjk-patch"/>
-            </a:endParaRPr>
-          </a:p>
-          <a:p>
-            <a:pPr indent="0" marL="0">
-              <a:lnSpc>
-                <a:spcPct val="100000"/>
-              </a:lnSpc>
-              <a:spcBef>
-                <a:spcPct val="0"/>
-              </a:spcBef>
-              <a:spcAft>
-                <a:spcPct val="0"/>
-              </a:spcAft>
-              <a:buFont typeface="Arial" panose="020B0604020202020204"/>
-              <a:buChar char="•"/>
-            </a:pPr>
-            <a:r>
-              <a:rPr b="0" sz="2800" i="0">
-                <a:solidFill>
-                  <a:srgbClr val="404040"/>
-                </a:solidFill>
-                <a:latin typeface="quote-cjk-patch"/>
-                <a:ea typeface="quote-cjk-patch"/>
-              </a:rPr>
-              <a:t>Students struggle to effectively maintain and organize their academic and personal projects.</a:t>
-            </a:r>
-            <a:endParaRPr b="0" sz="2800" i="0">
-              <a:solidFill>
-                <a:srgbClr val="404040"/>
-              </a:solidFill>
-              <a:latin typeface="quote-cjk-patch"/>
-              <a:ea typeface="quote-cjk-patch"/>
-            </a:endParaRPr>
-          </a:p>
-          <a:p>
-            <a:pPr indent="0" marL="0">
-              <a:lnSpc>
-                <a:spcPct val="100000"/>
-              </a:lnSpc>
-              <a:spcBef>
-                <a:spcPct val="0"/>
-              </a:spcBef>
-              <a:spcAft>
-                <a:spcPct val="0"/>
-              </a:spcAft>
-              <a:buFont typeface="Arial" panose="020B0604020202020204"/>
-              <a:buChar char="•"/>
-            </a:pPr>
-            <a:endParaRPr b="0" sz="2800" i="0">
-              <a:solidFill>
-                <a:srgbClr val="404040"/>
-              </a:solidFill>
-              <a:latin typeface="quote-cjk-patch"/>
-              <a:ea typeface="quote-cjk-patch"/>
-            </a:endParaRPr>
-          </a:p>
-          <a:p>
-            <a:pPr indent="0" marL="0">
-              <a:lnSpc>
-                <a:spcPct val="100000"/>
-              </a:lnSpc>
-              <a:spcBef>
-                <a:spcPct val="0"/>
-              </a:spcBef>
-              <a:spcAft>
-                <a:spcPct val="0"/>
-              </a:spcAft>
-              <a:buFont typeface="Arial" panose="020B0604020202020204"/>
-              <a:buChar char="•"/>
-            </a:pPr>
-            <a:r>
-              <a:rPr b="0" sz="2800" i="0">
-                <a:solidFill>
-                  <a:srgbClr val="404040"/>
-                </a:solidFill>
-                <a:latin typeface="quote-cjk-patch"/>
-                <a:ea typeface="quote-cjk-patch"/>
-              </a:rPr>
-              <a:t>Traditional resumes are static and fail to showcase the depth of a student's work.</a:t>
-            </a:r>
-            <a:endParaRPr b="0" sz="2800" i="0">
-              <a:solidFill>
-                <a:srgbClr val="404040"/>
-              </a:solidFill>
-              <a:latin typeface="quote-cjk-patch"/>
-              <a:ea typeface="quote-cjk-patch"/>
-            </a:endParaRPr>
-          </a:p>
-          <a:p>
-            <a:pPr indent="0" marL="0">
-              <a:lnSpc>
-                <a:spcPct val="100000"/>
-              </a:lnSpc>
-              <a:spcBef>
-                <a:spcPct val="0"/>
-              </a:spcBef>
-              <a:spcAft>
-                <a:spcPct val="0"/>
-              </a:spcAft>
-              <a:buFont typeface="Arial" panose="020B0604020202020204"/>
-              <a:buChar char="•"/>
-            </a:pPr>
-            <a:endParaRPr b="0" sz="2800" i="0">
-              <a:solidFill>
-                <a:srgbClr val="404040"/>
-              </a:solidFill>
-              <a:latin typeface="quote-cjk-patch"/>
-              <a:ea typeface="quote-cjk-patch"/>
-            </a:endParaRPr>
-          </a:p>
-          <a:p>
-            <a:pPr indent="0" marL="0">
-              <a:lnSpc>
-                <a:spcPct val="100000"/>
-              </a:lnSpc>
-              <a:spcBef>
-                <a:spcPct val="0"/>
-              </a:spcBef>
-              <a:spcAft>
-                <a:spcPct val="0"/>
-              </a:spcAft>
-              <a:buFont typeface="Arial" panose="020B0604020202020204"/>
-              <a:buChar char="•"/>
-            </a:pPr>
-            <a:r>
-              <a:rPr b="0" sz="2800" i="0">
-                <a:solidFill>
-                  <a:srgbClr val="404040"/>
-                </a:solidFill>
-                <a:latin typeface="quote-cjk-patch"/>
-                <a:ea typeface="quote-cjk-patch"/>
-              </a:rPr>
-              <a:t>There is a gap between showcasing projects and getting actionable feedback on skill development.</a:t>
-            </a:r>
-            <a:endParaRPr b="0" sz="2800" i="0">
-              <a:solidFill>
-                <a:srgbClr val="404040"/>
-              </a:solidFill>
-              <a:latin typeface="quote-cjk-patch"/>
-              <a:ea typeface="quote-cjk-patch"/>
-            </a:endParaRPr>
-          </a:p>
-          <a:p>
-            <a:pPr indent="0" marL="0">
-              <a:lnSpc>
-                <a:spcPct val="100000"/>
-              </a:lnSpc>
-              <a:spcBef>
-                <a:spcPct val="0"/>
-              </a:spcBef>
-              <a:spcAft>
-                <a:spcPct val="0"/>
-              </a:spcAft>
-              <a:buFont typeface="Arial" panose="020B0604020202020204"/>
-              <a:buChar char="•"/>
-            </a:pPr>
-            <a:endParaRPr b="0" sz="2800" i="0">
-              <a:solidFill>
-                <a:srgbClr val="404040"/>
-              </a:solidFill>
-              <a:latin typeface="quote-cjk-patch"/>
-              <a:ea typeface="quote-cjk-patch"/>
-            </a:endParaRPr>
-          </a:p>
-          <a:p>
-            <a:pPr indent="0" marL="0">
-              <a:lnSpc>
-                <a:spcPct val="100000"/>
-              </a:lnSpc>
-              <a:spcBef>
-                <a:spcPct val="0"/>
-              </a:spcBef>
-              <a:spcAft>
-                <a:spcPct val="0"/>
-              </a:spcAft>
-              <a:buFont typeface="Arial" panose="020B0604020202020204"/>
-              <a:buChar char="•"/>
-            </a:pPr>
-            <a:r>
-              <a:rPr b="0" sz="2800" i="0">
-                <a:solidFill>
-                  <a:srgbClr val="404040"/>
-                </a:solidFill>
-                <a:latin typeface="quote-cjk-patch"/>
-                <a:ea typeface="quote-cjk-patch"/>
-              </a:rPr>
-              <a:t>Recruiters find it time-consuming to manually assess a candidate's entire skillset from a PDF</a:t>
-            </a:r>
-            <a:endParaRPr b="0" sz="2800" i="0">
-              <a:solidFill>
-                <a:srgbClr val="404040"/>
-              </a:solidFill>
-              <a:latin typeface="quote-cjk-patch"/>
-              <a:ea typeface="quote-cjk-patch"/>
-            </a:endParaRPr>
-          </a:p>
-        </p:txBody>
-      </p:sp>
-    </p:spTree>
-  </p:cSld>
-  <p:clrMapOvr>
-    <a:masterClrMapping/>
-  </p:clrMapOvr>
-</p:sld>
-</file>
-
-<file path=ppt/slides/slide5.xml><?xml version="1.0" encoding="utf-8"?>
-<p:sld xmlns:a="http://schemas.openxmlformats.org/drawingml/2006/main" xmlns:r="http://schemas.openxmlformats.org/officeDocument/2006/relationships" xmlns:p="http://schemas.openxmlformats.org/presentationml/2006/main">
-  <p:cSld>
-    <p:spTree>
-      <p:nvGrpSpPr>
-        <p:cNvPr id="31" name=""/>
-        <p:cNvGrpSpPr/>
-        <p:nvPr/>
-      </p:nvGrpSpPr>
-      <p:grpSpPr>
-        <a:xfrm/>
-      </p:grpSpPr>
-      <p:sp>
-        <p:nvSpPr>
-          <p:cNvPr id="1048588" name="Text Box 1"/>
-          <p:cNvSpPr txBox="1"/>
-          <p:nvPr/>
-        </p:nvSpPr>
-        <p:spPr>
-          <a:xfrm>
             <a:off x="64135" y="0"/>
             <a:ext cx="12127865" cy="6858000"/>
           </a:xfrm>
@@ -5824,7 +5813,7 @@
   <p:cSld>
     <p:spTree>
       <p:nvGrpSpPr>
-        <p:cNvPr id="32" name=""/>
+        <p:cNvPr id="33" name=""/>
         <p:cNvGrpSpPr/>
         <p:nvPr/>
       </p:nvGrpSpPr>
@@ -6047,7 +6036,7 @@
   <p:cSld>
     <p:spTree>
       <p:nvGrpSpPr>
-        <p:cNvPr id="33" name=""/>
+        <p:cNvPr id="31" name=""/>
         <p:cNvGrpSpPr/>
         <p:nvPr/>
       </p:nvGrpSpPr>
@@ -6056,7 +6045,7 @@
       </p:grpSpPr>
       <p:sp>
         <p:nvSpPr>
-          <p:cNvPr id="1048590" name="Text Box 1"/>
+          <p:cNvPr id="1048587" name="Text Box 1"/>
           <p:cNvSpPr txBox="1"/>
           <p:nvPr/>
         </p:nvSpPr>
@@ -6322,7 +6311,7 @@
   <p:cSld>
     <p:spTree>
       <p:nvGrpSpPr>
-        <p:cNvPr id="34" name=""/>
+        <p:cNvPr id="29" name=""/>
         <p:cNvGrpSpPr/>
         <p:nvPr/>
       </p:nvGrpSpPr>
@@ -6331,7 +6320,7 @@
       </p:grpSpPr>
       <p:sp>
         <p:nvSpPr>
-          <p:cNvPr id="1048591" name="Text Box 1"/>
+          <p:cNvPr id="1048586" name="Text Box 1"/>
           <p:cNvSpPr txBox="1"/>
           <p:nvPr/>
         </p:nvSpPr>
@@ -6686,7 +6675,7 @@
   <p:cSld>
     <p:spTree>
       <p:nvGrpSpPr>
-        <p:cNvPr id="35" name=""/>
+        <p:cNvPr id="25" name=""/>
         <p:cNvGrpSpPr/>
         <p:nvPr/>
       </p:nvGrpSpPr>
@@ -6695,7 +6684,7 @@
       </p:grpSpPr>
       <p:sp>
         <p:nvSpPr>
-          <p:cNvPr id="1048592" name="Text Box 1"/>
+          <p:cNvPr id="1048584" name="Text Box 1"/>
           <p:cNvSpPr txBox="1"/>
           <p:nvPr/>
         </p:nvSpPr>
